--- a/WFE Fresher Presentation.pptx
+++ b/WFE Fresher Presentation.pptx
@@ -123,6 +123,11 @@
       </a:defRPr>
     </a:lvl9pPr>
   </p:defaultTextStyle>
+  <p:extLst>
+    <p:ext uri="{EFAFB233-063F-42B5-8137-9DF3F51BA10A}">
+      <p15:sldGuideLst xmlns:p15="http://schemas.microsoft.com/office/powerpoint/2012/main"/>
+    </p:ext>
+  </p:extLst>
 </p:presentation>
 </file>
 
@@ -13299,7 +13304,6 @@
               <a:rPr lang="en-US" sz="6000"/>
               <a:t>WFE Fresher Presentation</a:t>
             </a:r>
-            <a:endParaRPr lang="en-US" sz="6000"/>
           </a:p>
         </p:txBody>
       </p:sp>
@@ -16343,7 +16347,7 @@
         <p:spPr>
           <a:xfrm>
             <a:off x="1243854" y="1045632"/>
-            <a:ext cx="8825659" cy="3416300"/>
+            <a:ext cx="8825659" cy="5571068"/>
           </a:xfrm>
           <a:prstGeom prst="rect">
             <a:avLst/>
@@ -16627,6 +16631,31 @@
             <a:endParaRPr lang="en-US"/>
           </a:p>
           <a:p>
+            <a:r>
+              <a:rPr lang="en-US" smtClean="0"/>
+              <a:t>Improve</a:t>
+            </a:r>
+          </a:p>
+          <a:p>
+            <a:endParaRPr lang="en-US"/>
+          </a:p>
+          <a:p>
+            <a:pPr lvl="1"/>
+            <a:endParaRPr lang="en-US" smtClean="0"/>
+          </a:p>
+          <a:p>
+            <a:pPr lvl="1"/>
+            <a:r>
+              <a:rPr lang="en-US" smtClean="0"/>
+              <a:t>Room detail</a:t>
+            </a:r>
+          </a:p>
+          <a:p>
+            <a:pPr lvl="1"/>
+            <a:r>
+              <a:rPr lang="en-US" smtClean="0"/>
+              <a:t>Fix js files when use UI-Router</a:t>
+            </a:r>
             <a:endParaRPr lang="en-US" smtClean="0"/>
           </a:p>
         </p:txBody>
